--- a/Presentation.pptx
+++ b/Presentation.pptx
@@ -7,8 +7,8 @@
   <p:sldIdLst>
     <p:sldId id="256" r:id="rId2"/>
     <p:sldId id="258" r:id="rId3"/>
-    <p:sldId id="259" r:id="rId4"/>
-    <p:sldId id="257" r:id="rId5"/>
+    <p:sldId id="257" r:id="rId4"/>
+    <p:sldId id="259" r:id="rId5"/>
   </p:sldIdLst>
   <p:sldSz cx="12192000" cy="6858000"/>
   <p:notesSz cx="6858000" cy="9144000"/>
@@ -5873,6 +5873,50 @@
           </a:p>
         </p:txBody>
       </p:sp>
+      <p:sp>
+        <p:nvSpPr>
+          <p:cNvPr id="4" name="TextBox 3"/>
+          <p:cNvSpPr txBox="1"/>
+          <p:nvPr/>
+        </p:nvSpPr>
+        <p:spPr>
+          <a:xfrm>
+            <a:off x="4621909" y="4599282"/>
+            <a:ext cx="1828800" cy="369332"/>
+          </a:xfrm>
+          <a:prstGeom prst="rect">
+            <a:avLst/>
+          </a:prstGeom>
+          <a:noFill/>
+        </p:spPr>
+        <p:txBody>
+          <a:bodyPr wrap="square" rtlCol="0">
+            <a:spAutoFit/>
+          </a:bodyPr>
+          <a:lstStyle/>
+          <a:p>
+            <a:r>
+              <a:rPr lang="en-US" sz="1800" kern="1200" smtClean="0">
+                <a:solidFill>
+                  <a:schemeClr val="tx1"/>
+                </a:solidFill>
+                <a:latin typeface="+mn-lt"/>
+                <a:ea typeface="+mn-ea"/>
+                <a:cs typeface="+mn-cs"/>
+              </a:rPr>
+              <a:t>SEAN MCGRATH</a:t>
+            </a:r>
+            <a:endParaRPr lang="en-US" sz="1800" kern="1200">
+              <a:solidFill>
+                <a:schemeClr val="tx1"/>
+              </a:solidFill>
+              <a:latin typeface="+mn-lt"/>
+              <a:ea typeface="+mn-ea"/>
+              <a:cs typeface="+mn-cs"/>
+            </a:endParaRPr>
+          </a:p>
+        </p:txBody>
+      </p:sp>
     </p:spTree>
     <p:extLst>
       <p:ext uri="{BB962C8B-B14F-4D97-AF65-F5344CB8AC3E}">
@@ -5983,388 +6027,6 @@
 </file>
 
 <file path=ppt/slides/slide3.xml><?xml version="1.0" encoding="utf-8"?>
-<p:sld xmlns:a="http://schemas.openxmlformats.org/drawingml/2006/main" xmlns:r="http://schemas.openxmlformats.org/officeDocument/2006/relationships" xmlns:p="http://schemas.openxmlformats.org/presentationml/2006/main">
-  <p:cSld>
-    <p:spTree>
-      <p:nvGrpSpPr>
-        <p:cNvPr id="1" name=""/>
-        <p:cNvGrpSpPr/>
-        <p:nvPr/>
-      </p:nvGrpSpPr>
-      <p:grpSpPr>
-        <a:xfrm>
-          <a:off x="0" y="0"/>
-          <a:ext cx="0" cy="0"/>
-          <a:chOff x="0" y="0"/>
-          <a:chExt cx="0" cy="0"/>
-        </a:xfrm>
-      </p:grpSpPr>
-      <p:sp>
-        <p:nvSpPr>
-          <p:cNvPr id="2" name="Rectangle 1"/>
-          <p:cNvSpPr/>
-          <p:nvPr/>
-        </p:nvSpPr>
-        <p:spPr>
-          <a:xfrm>
-            <a:off x="3780684" y="1337317"/>
-            <a:ext cx="3649974" cy="923330"/>
-          </a:xfrm>
-          <a:prstGeom prst="rect">
-            <a:avLst/>
-          </a:prstGeom>
-          <a:noFill/>
-        </p:spPr>
-        <p:txBody>
-          <a:bodyPr wrap="none" lIns="91440" tIns="45720" rIns="91440" bIns="45720">
-            <a:spAutoFit/>
-          </a:bodyPr>
-          <a:lstStyle/>
-          <a:p>
-            <a:pPr algn="ctr"/>
-            <a:r>
-              <a:rPr lang="en-US" sz="5400" smtClean="0">
-                <a:ln w="0"/>
-                <a:effectLst>
-                  <a:outerShdw blurRad="38100" dist="19050" dir="2700000" algn="tl" rotWithShape="0">
-                    <a:schemeClr val="dk1">
-                      <a:alpha val="40000"/>
-                    </a:schemeClr>
-                  </a:outerShdw>
-                </a:effectLst>
-              </a:rPr>
-              <a:t>Parking Lot</a:t>
-            </a:r>
-            <a:endParaRPr lang="en-US" sz="5400" b="0" cap="none" spc="0">
-              <a:ln w="0"/>
-              <a:solidFill>
-                <a:schemeClr val="tx1"/>
-              </a:solidFill>
-              <a:effectLst>
-                <a:outerShdw blurRad="38100" dist="19050" dir="2700000" algn="tl" rotWithShape="0">
-                  <a:schemeClr val="dk1">
-                    <a:alpha val="40000"/>
-                  </a:schemeClr>
-                </a:outerShdw>
-              </a:effectLst>
-            </a:endParaRPr>
-          </a:p>
-        </p:txBody>
-      </p:sp>
-      <p:sp>
-        <p:nvSpPr>
-          <p:cNvPr id="3" name="Rectangle 2"/>
-          <p:cNvSpPr/>
-          <p:nvPr/>
-        </p:nvSpPr>
-        <p:spPr>
-          <a:xfrm>
-            <a:off x="2431772" y="65757"/>
-            <a:ext cx="6347791" cy="923330"/>
-          </a:xfrm>
-          <a:prstGeom prst="rect">
-            <a:avLst/>
-          </a:prstGeom>
-          <a:noFill/>
-        </p:spPr>
-        <p:txBody>
-          <a:bodyPr wrap="square" lIns="91440" tIns="45720" rIns="91440" bIns="45720">
-            <a:spAutoFit/>
-          </a:bodyPr>
-          <a:lstStyle/>
-          <a:p>
-            <a:pPr algn="ctr"/>
-            <a:r>
-              <a:rPr lang="en-US" sz="5400" smtClean="0">
-                <a:ln w="0"/>
-                <a:effectLst>
-                  <a:outerShdw blurRad="38100" dist="19050" dir="2700000" algn="tl" rotWithShape="0">
-                    <a:schemeClr val="dk1">
-                      <a:alpha val="40000"/>
-                    </a:schemeClr>
-                  </a:outerShdw>
-                </a:effectLst>
-              </a:rPr>
-              <a:t>CONSOLE</a:t>
-            </a:r>
-            <a:endParaRPr lang="en-US" sz="5400" b="0" cap="none" spc="0">
-              <a:ln w="0"/>
-              <a:solidFill>
-                <a:schemeClr val="tx1"/>
-              </a:solidFill>
-              <a:effectLst>
-                <a:outerShdw blurRad="38100" dist="19050" dir="2700000" algn="tl" rotWithShape="0">
-                  <a:schemeClr val="dk1">
-                    <a:alpha val="40000"/>
-                  </a:schemeClr>
-                </a:outerShdw>
-              </a:effectLst>
-            </a:endParaRPr>
-          </a:p>
-        </p:txBody>
-      </p:sp>
-      <p:sp>
-        <p:nvSpPr>
-          <p:cNvPr id="4" name="Rectangle 3"/>
-          <p:cNvSpPr/>
-          <p:nvPr/>
-        </p:nvSpPr>
-        <p:spPr>
-          <a:xfrm>
-            <a:off x="4235357" y="2608877"/>
-            <a:ext cx="2740623" cy="646331"/>
-          </a:xfrm>
-          <a:prstGeom prst="rect">
-            <a:avLst/>
-          </a:prstGeom>
-          <a:noFill/>
-        </p:spPr>
-        <p:txBody>
-          <a:bodyPr wrap="none" lIns="91440" tIns="45720" rIns="91440" bIns="45720">
-            <a:spAutoFit/>
-          </a:bodyPr>
-          <a:lstStyle/>
-          <a:p>
-            <a:pPr algn="ctr"/>
-            <a:r>
-              <a:rPr lang="en-US" sz="3600" smtClean="0">
-                <a:ln w="0"/>
-                <a:effectLst>
-                  <a:outerShdw blurRad="38100" dist="19050" dir="2700000" algn="tl" rotWithShape="0">
-                    <a:schemeClr val="dk1">
-                      <a:alpha val="40000"/>
-                    </a:schemeClr>
-                  </a:outerShdw>
-                </a:effectLst>
-              </a:rPr>
-              <a:t>Parking Spot</a:t>
-            </a:r>
-            <a:endParaRPr lang="en-US" sz="3600" b="0" cap="none" spc="0">
-              <a:ln w="0"/>
-              <a:solidFill>
-                <a:schemeClr val="tx1"/>
-              </a:solidFill>
-              <a:effectLst>
-                <a:outerShdw blurRad="38100" dist="19050" dir="2700000" algn="tl" rotWithShape="0">
-                  <a:schemeClr val="dk1">
-                    <a:alpha val="40000"/>
-                  </a:schemeClr>
-                </a:outerShdw>
-              </a:effectLst>
-            </a:endParaRPr>
-          </a:p>
-        </p:txBody>
-      </p:sp>
-      <p:sp>
-        <p:nvSpPr>
-          <p:cNvPr id="6" name="Rectangle 5"/>
-          <p:cNvSpPr/>
-          <p:nvPr/>
-        </p:nvSpPr>
-        <p:spPr>
-          <a:xfrm>
-            <a:off x="5055704" y="3603438"/>
-            <a:ext cx="1159565" cy="523220"/>
-          </a:xfrm>
-          <a:prstGeom prst="rect">
-            <a:avLst/>
-          </a:prstGeom>
-          <a:noFill/>
-        </p:spPr>
-        <p:txBody>
-          <a:bodyPr wrap="square" lIns="91440" tIns="45720" rIns="91440" bIns="45720">
-            <a:spAutoFit/>
-          </a:bodyPr>
-          <a:lstStyle/>
-          <a:p>
-            <a:pPr algn="ctr"/>
-            <a:r>
-              <a:rPr lang="en-US" sz="2800" smtClean="0">
-                <a:ln w="0"/>
-                <a:effectLst>
-                  <a:outerShdw blurRad="38100" dist="19050" dir="2700000" algn="tl" rotWithShape="0">
-                    <a:schemeClr val="dk1">
-                      <a:alpha val="40000"/>
-                    </a:schemeClr>
-                  </a:outerShdw>
-                </a:effectLst>
-              </a:rPr>
-              <a:t>Day</a:t>
-            </a:r>
-            <a:endParaRPr lang="en-US" sz="2800" b="0" cap="none" spc="0">
-              <a:ln w="0"/>
-              <a:solidFill>
-                <a:schemeClr val="tx1"/>
-              </a:solidFill>
-              <a:effectLst>
-                <a:outerShdw blurRad="38100" dist="19050" dir="2700000" algn="tl" rotWithShape="0">
-                  <a:schemeClr val="dk1">
-                    <a:alpha val="40000"/>
-                  </a:schemeClr>
-                </a:outerShdw>
-              </a:effectLst>
-            </a:endParaRPr>
-          </a:p>
-        </p:txBody>
-      </p:sp>
-      <p:sp>
-        <p:nvSpPr>
-          <p:cNvPr id="7" name="Rectangle 6"/>
-          <p:cNvSpPr/>
-          <p:nvPr/>
-        </p:nvSpPr>
-        <p:spPr>
-          <a:xfrm>
-            <a:off x="4628541" y="4549577"/>
-            <a:ext cx="2155283" cy="400110"/>
-          </a:xfrm>
-          <a:prstGeom prst="rect">
-            <a:avLst/>
-          </a:prstGeom>
-          <a:noFill/>
-        </p:spPr>
-        <p:txBody>
-          <a:bodyPr wrap="square" lIns="91440" tIns="45720" rIns="91440" bIns="45720">
-            <a:spAutoFit/>
-          </a:bodyPr>
-          <a:lstStyle/>
-          <a:p>
-            <a:pPr algn="ctr"/>
-            <a:r>
-              <a:rPr lang="en-US" sz="2000" smtClean="0">
-                <a:ln w="0"/>
-                <a:effectLst>
-                  <a:outerShdw blurRad="38100" dist="19050" dir="2700000" algn="tl" rotWithShape="0">
-                    <a:schemeClr val="dk1">
-                      <a:alpha val="40000"/>
-                    </a:schemeClr>
-                  </a:outerShdw>
-                </a:effectLst>
-              </a:rPr>
-              <a:t>Time-Frame</a:t>
-            </a:r>
-            <a:endParaRPr lang="en-US" sz="2000" b="0" cap="none" spc="0">
-              <a:ln w="0"/>
-              <a:solidFill>
-                <a:schemeClr val="tx1"/>
-              </a:solidFill>
-              <a:effectLst>
-                <a:outerShdw blurRad="38100" dist="19050" dir="2700000" algn="tl" rotWithShape="0">
-                  <a:schemeClr val="dk1">
-                    <a:alpha val="40000"/>
-                  </a:schemeClr>
-                </a:outerShdw>
-              </a:effectLst>
-            </a:endParaRPr>
-          </a:p>
-        </p:txBody>
-      </p:sp>
-      <p:sp>
-        <p:nvSpPr>
-          <p:cNvPr id="8" name="Rectangle 7"/>
-          <p:cNvSpPr/>
-          <p:nvPr/>
-        </p:nvSpPr>
-        <p:spPr>
-          <a:xfrm>
-            <a:off x="3780684" y="5471995"/>
-            <a:ext cx="4003116" cy="369332"/>
-          </a:xfrm>
-          <a:prstGeom prst="rect">
-            <a:avLst/>
-          </a:prstGeom>
-          <a:noFill/>
-        </p:spPr>
-        <p:txBody>
-          <a:bodyPr wrap="square" lIns="91440" tIns="45720" rIns="91440" bIns="45720">
-            <a:spAutoFit/>
-          </a:bodyPr>
-          <a:lstStyle/>
-          <a:p>
-            <a:pPr algn="ctr"/>
-            <a:r>
-              <a:rPr lang="en-US" smtClean="0">
-                <a:ln w="0"/>
-                <a:effectLst>
-                  <a:outerShdw blurRad="38100" dist="19050" dir="2700000" algn="tl" rotWithShape="0">
-                    <a:schemeClr val="dk1">
-                      <a:alpha val="40000"/>
-                    </a:schemeClr>
-                  </a:outerShdw>
-                </a:effectLst>
-              </a:rPr>
-              <a:t>Reservation</a:t>
-            </a:r>
-            <a:endParaRPr lang="en-US" b="0" cap="none" spc="0">
-              <a:ln w="0"/>
-              <a:solidFill>
-                <a:schemeClr val="tx1"/>
-              </a:solidFill>
-              <a:effectLst>
-                <a:outerShdw blurRad="38100" dist="19050" dir="2700000" algn="tl" rotWithShape="0">
-                  <a:schemeClr val="dk1">
-                    <a:alpha val="40000"/>
-                  </a:schemeClr>
-                </a:outerShdw>
-              </a:effectLst>
-            </a:endParaRPr>
-          </a:p>
-        </p:txBody>
-      </p:sp>
-      <p:cxnSp>
-        <p:nvCxnSpPr>
-          <p:cNvPr id="9" name="Straight Arrow Connector 8"/>
-          <p:cNvCxnSpPr/>
-          <p:nvPr/>
-        </p:nvCxnSpPr>
-        <p:spPr>
-          <a:xfrm>
-            <a:off x="2431772" y="815009"/>
-            <a:ext cx="0" cy="4841652"/>
-          </a:xfrm>
-          <a:prstGeom prst="straightConnector1">
-            <a:avLst/>
-          </a:prstGeom>
-          <a:ln w="127000">
-            <a:tailEnd type="triangle"/>
-          </a:ln>
-        </p:spPr>
-        <p:style>
-          <a:lnRef idx="1">
-            <a:schemeClr val="accent1"/>
-          </a:lnRef>
-          <a:fillRef idx="0">
-            <a:schemeClr val="accent1"/>
-          </a:fillRef>
-          <a:effectRef idx="0">
-            <a:schemeClr val="accent1"/>
-          </a:effectRef>
-          <a:fontRef idx="minor">
-            <a:schemeClr val="tx1"/>
-          </a:fontRef>
-        </p:style>
-      </p:cxnSp>
-    </p:spTree>
-    <p:extLst>
-      <p:ext uri="{BB962C8B-B14F-4D97-AF65-F5344CB8AC3E}">
-        <p14:creationId xmlns:p14="http://schemas.microsoft.com/office/powerpoint/2010/main" val="1077942363"/>
-      </p:ext>
-    </p:extLst>
-  </p:cSld>
-  <p:clrMapOvr>
-    <a:masterClrMapping/>
-  </p:clrMapOvr>
-  <p:timing>
-    <p:tnLst>
-      <p:par>
-        <p:cTn id="1" dur="indefinite" restart="never" nodeType="tmRoot"/>
-      </p:par>
-    </p:tnLst>
-  </p:timing>
-</p:sld>
-</file>
-
-<file path=ppt/slides/slide4.xml><?xml version="1.0" encoding="utf-8"?>
 <p:sld xmlns:a="http://schemas.openxmlformats.org/drawingml/2006/main" xmlns:r="http://schemas.openxmlformats.org/officeDocument/2006/relationships" xmlns:p="http://schemas.openxmlformats.org/presentationml/2006/main">
   <p:cSld>
     <p:spTree>
@@ -6814,6 +6476,388 @@
 </p:sld>
 </file>
 
+<file path=ppt/slides/slide4.xml><?xml version="1.0" encoding="utf-8"?>
+<p:sld xmlns:a="http://schemas.openxmlformats.org/drawingml/2006/main" xmlns:r="http://schemas.openxmlformats.org/officeDocument/2006/relationships" xmlns:p="http://schemas.openxmlformats.org/presentationml/2006/main">
+  <p:cSld>
+    <p:spTree>
+      <p:nvGrpSpPr>
+        <p:cNvPr id="1" name=""/>
+        <p:cNvGrpSpPr/>
+        <p:nvPr/>
+      </p:nvGrpSpPr>
+      <p:grpSpPr>
+        <a:xfrm>
+          <a:off x="0" y="0"/>
+          <a:ext cx="0" cy="0"/>
+          <a:chOff x="0" y="0"/>
+          <a:chExt cx="0" cy="0"/>
+        </a:xfrm>
+      </p:grpSpPr>
+      <p:sp>
+        <p:nvSpPr>
+          <p:cNvPr id="2" name="Rectangle 1"/>
+          <p:cNvSpPr/>
+          <p:nvPr/>
+        </p:nvSpPr>
+        <p:spPr>
+          <a:xfrm>
+            <a:off x="3780684" y="1337317"/>
+            <a:ext cx="3649974" cy="923330"/>
+          </a:xfrm>
+          <a:prstGeom prst="rect">
+            <a:avLst/>
+          </a:prstGeom>
+          <a:noFill/>
+        </p:spPr>
+        <p:txBody>
+          <a:bodyPr wrap="none" lIns="91440" tIns="45720" rIns="91440" bIns="45720">
+            <a:spAutoFit/>
+          </a:bodyPr>
+          <a:lstStyle/>
+          <a:p>
+            <a:pPr algn="ctr"/>
+            <a:r>
+              <a:rPr lang="en-US" sz="5400" smtClean="0">
+                <a:ln w="0"/>
+                <a:effectLst>
+                  <a:outerShdw blurRad="38100" dist="19050" dir="2700000" algn="tl" rotWithShape="0">
+                    <a:schemeClr val="dk1">
+                      <a:alpha val="40000"/>
+                    </a:schemeClr>
+                  </a:outerShdw>
+                </a:effectLst>
+              </a:rPr>
+              <a:t>Parking Lot</a:t>
+            </a:r>
+            <a:endParaRPr lang="en-US" sz="5400" b="0" cap="none" spc="0">
+              <a:ln w="0"/>
+              <a:solidFill>
+                <a:schemeClr val="tx1"/>
+              </a:solidFill>
+              <a:effectLst>
+                <a:outerShdw blurRad="38100" dist="19050" dir="2700000" algn="tl" rotWithShape="0">
+                  <a:schemeClr val="dk1">
+                    <a:alpha val="40000"/>
+                  </a:schemeClr>
+                </a:outerShdw>
+              </a:effectLst>
+            </a:endParaRPr>
+          </a:p>
+        </p:txBody>
+      </p:sp>
+      <p:sp>
+        <p:nvSpPr>
+          <p:cNvPr id="3" name="Rectangle 2"/>
+          <p:cNvSpPr/>
+          <p:nvPr/>
+        </p:nvSpPr>
+        <p:spPr>
+          <a:xfrm>
+            <a:off x="2431772" y="65757"/>
+            <a:ext cx="6347791" cy="923330"/>
+          </a:xfrm>
+          <a:prstGeom prst="rect">
+            <a:avLst/>
+          </a:prstGeom>
+          <a:noFill/>
+        </p:spPr>
+        <p:txBody>
+          <a:bodyPr wrap="square" lIns="91440" tIns="45720" rIns="91440" bIns="45720">
+            <a:spAutoFit/>
+          </a:bodyPr>
+          <a:lstStyle/>
+          <a:p>
+            <a:pPr algn="ctr"/>
+            <a:r>
+              <a:rPr lang="en-US" sz="5400" smtClean="0">
+                <a:ln w="0"/>
+                <a:effectLst>
+                  <a:outerShdw blurRad="38100" dist="19050" dir="2700000" algn="tl" rotWithShape="0">
+                    <a:schemeClr val="dk1">
+                      <a:alpha val="40000"/>
+                    </a:schemeClr>
+                  </a:outerShdw>
+                </a:effectLst>
+              </a:rPr>
+              <a:t>CONSOLE</a:t>
+            </a:r>
+            <a:endParaRPr lang="en-US" sz="5400" b="0" cap="none" spc="0">
+              <a:ln w="0"/>
+              <a:solidFill>
+                <a:schemeClr val="tx1"/>
+              </a:solidFill>
+              <a:effectLst>
+                <a:outerShdw blurRad="38100" dist="19050" dir="2700000" algn="tl" rotWithShape="0">
+                  <a:schemeClr val="dk1">
+                    <a:alpha val="40000"/>
+                  </a:schemeClr>
+                </a:outerShdw>
+              </a:effectLst>
+            </a:endParaRPr>
+          </a:p>
+        </p:txBody>
+      </p:sp>
+      <p:sp>
+        <p:nvSpPr>
+          <p:cNvPr id="4" name="Rectangle 3"/>
+          <p:cNvSpPr/>
+          <p:nvPr/>
+        </p:nvSpPr>
+        <p:spPr>
+          <a:xfrm>
+            <a:off x="4235357" y="2608877"/>
+            <a:ext cx="2740623" cy="646331"/>
+          </a:xfrm>
+          <a:prstGeom prst="rect">
+            <a:avLst/>
+          </a:prstGeom>
+          <a:noFill/>
+        </p:spPr>
+        <p:txBody>
+          <a:bodyPr wrap="none" lIns="91440" tIns="45720" rIns="91440" bIns="45720">
+            <a:spAutoFit/>
+          </a:bodyPr>
+          <a:lstStyle/>
+          <a:p>
+            <a:pPr algn="ctr"/>
+            <a:r>
+              <a:rPr lang="en-US" sz="3600" smtClean="0">
+                <a:ln w="0"/>
+                <a:effectLst>
+                  <a:outerShdw blurRad="38100" dist="19050" dir="2700000" algn="tl" rotWithShape="0">
+                    <a:schemeClr val="dk1">
+                      <a:alpha val="40000"/>
+                    </a:schemeClr>
+                  </a:outerShdw>
+                </a:effectLst>
+              </a:rPr>
+              <a:t>Parking Spot</a:t>
+            </a:r>
+            <a:endParaRPr lang="en-US" sz="3600" b="0" cap="none" spc="0">
+              <a:ln w="0"/>
+              <a:solidFill>
+                <a:schemeClr val="tx1"/>
+              </a:solidFill>
+              <a:effectLst>
+                <a:outerShdw blurRad="38100" dist="19050" dir="2700000" algn="tl" rotWithShape="0">
+                  <a:schemeClr val="dk1">
+                    <a:alpha val="40000"/>
+                  </a:schemeClr>
+                </a:outerShdw>
+              </a:effectLst>
+            </a:endParaRPr>
+          </a:p>
+        </p:txBody>
+      </p:sp>
+      <p:sp>
+        <p:nvSpPr>
+          <p:cNvPr id="6" name="Rectangle 5"/>
+          <p:cNvSpPr/>
+          <p:nvPr/>
+        </p:nvSpPr>
+        <p:spPr>
+          <a:xfrm>
+            <a:off x="5055704" y="3603438"/>
+            <a:ext cx="1159565" cy="523220"/>
+          </a:xfrm>
+          <a:prstGeom prst="rect">
+            <a:avLst/>
+          </a:prstGeom>
+          <a:noFill/>
+        </p:spPr>
+        <p:txBody>
+          <a:bodyPr wrap="square" lIns="91440" tIns="45720" rIns="91440" bIns="45720">
+            <a:spAutoFit/>
+          </a:bodyPr>
+          <a:lstStyle/>
+          <a:p>
+            <a:pPr algn="ctr"/>
+            <a:r>
+              <a:rPr lang="en-US" sz="2800" smtClean="0">
+                <a:ln w="0"/>
+                <a:effectLst>
+                  <a:outerShdw blurRad="38100" dist="19050" dir="2700000" algn="tl" rotWithShape="0">
+                    <a:schemeClr val="dk1">
+                      <a:alpha val="40000"/>
+                    </a:schemeClr>
+                  </a:outerShdw>
+                </a:effectLst>
+              </a:rPr>
+              <a:t>Day</a:t>
+            </a:r>
+            <a:endParaRPr lang="en-US" sz="2800" b="0" cap="none" spc="0">
+              <a:ln w="0"/>
+              <a:solidFill>
+                <a:schemeClr val="tx1"/>
+              </a:solidFill>
+              <a:effectLst>
+                <a:outerShdw blurRad="38100" dist="19050" dir="2700000" algn="tl" rotWithShape="0">
+                  <a:schemeClr val="dk1">
+                    <a:alpha val="40000"/>
+                  </a:schemeClr>
+                </a:outerShdw>
+              </a:effectLst>
+            </a:endParaRPr>
+          </a:p>
+        </p:txBody>
+      </p:sp>
+      <p:sp>
+        <p:nvSpPr>
+          <p:cNvPr id="7" name="Rectangle 6"/>
+          <p:cNvSpPr/>
+          <p:nvPr/>
+        </p:nvSpPr>
+        <p:spPr>
+          <a:xfrm>
+            <a:off x="4694191" y="4255879"/>
+            <a:ext cx="1822951" cy="400110"/>
+          </a:xfrm>
+          <a:prstGeom prst="rect">
+            <a:avLst/>
+          </a:prstGeom>
+          <a:noFill/>
+        </p:spPr>
+        <p:txBody>
+          <a:bodyPr wrap="square" lIns="91440" tIns="45720" rIns="91440" bIns="45720">
+            <a:spAutoFit/>
+          </a:bodyPr>
+          <a:lstStyle/>
+          <a:p>
+            <a:pPr algn="ctr"/>
+            <a:r>
+              <a:rPr lang="en-US" sz="2000" smtClean="0">
+                <a:ln w="0"/>
+                <a:effectLst>
+                  <a:outerShdw blurRad="38100" dist="19050" dir="2700000" algn="tl" rotWithShape="0">
+                    <a:schemeClr val="dk1">
+                      <a:alpha val="40000"/>
+                    </a:schemeClr>
+                  </a:outerShdw>
+                </a:effectLst>
+              </a:rPr>
+              <a:t>Time-Frame</a:t>
+            </a:r>
+            <a:endParaRPr lang="en-US" sz="2000" b="0" cap="none" spc="0">
+              <a:ln w="0"/>
+              <a:solidFill>
+                <a:schemeClr val="tx1"/>
+              </a:solidFill>
+              <a:effectLst>
+                <a:outerShdw blurRad="38100" dist="19050" dir="2700000" algn="tl" rotWithShape="0">
+                  <a:schemeClr val="dk1">
+                    <a:alpha val="40000"/>
+                  </a:schemeClr>
+                </a:outerShdw>
+              </a:effectLst>
+            </a:endParaRPr>
+          </a:p>
+        </p:txBody>
+      </p:sp>
+      <p:sp>
+        <p:nvSpPr>
+          <p:cNvPr id="8" name="Rectangle 7"/>
+          <p:cNvSpPr/>
+          <p:nvPr/>
+        </p:nvSpPr>
+        <p:spPr>
+          <a:xfrm>
+            <a:off x="3556438" y="4836248"/>
+            <a:ext cx="4003116" cy="369332"/>
+          </a:xfrm>
+          <a:prstGeom prst="rect">
+            <a:avLst/>
+          </a:prstGeom>
+          <a:noFill/>
+        </p:spPr>
+        <p:txBody>
+          <a:bodyPr wrap="square" lIns="91440" tIns="45720" rIns="91440" bIns="45720">
+            <a:spAutoFit/>
+          </a:bodyPr>
+          <a:lstStyle/>
+          <a:p>
+            <a:pPr algn="ctr"/>
+            <a:r>
+              <a:rPr lang="en-US" smtClean="0">
+                <a:ln w="0"/>
+                <a:effectLst>
+                  <a:outerShdw blurRad="38100" dist="19050" dir="2700000" algn="tl" rotWithShape="0">
+                    <a:schemeClr val="dk1">
+                      <a:alpha val="40000"/>
+                    </a:schemeClr>
+                  </a:outerShdw>
+                </a:effectLst>
+              </a:rPr>
+              <a:t>Reservation</a:t>
+            </a:r>
+            <a:endParaRPr lang="en-US" b="0" cap="none" spc="0">
+              <a:ln w="0"/>
+              <a:solidFill>
+                <a:schemeClr val="tx1"/>
+              </a:solidFill>
+              <a:effectLst>
+                <a:outerShdw blurRad="38100" dist="19050" dir="2700000" algn="tl" rotWithShape="0">
+                  <a:schemeClr val="dk1">
+                    <a:alpha val="40000"/>
+                  </a:schemeClr>
+                </a:outerShdw>
+              </a:effectLst>
+            </a:endParaRPr>
+          </a:p>
+        </p:txBody>
+      </p:sp>
+      <p:cxnSp>
+        <p:nvCxnSpPr>
+          <p:cNvPr id="9" name="Straight Arrow Connector 8"/>
+          <p:cNvCxnSpPr/>
+          <p:nvPr/>
+        </p:nvCxnSpPr>
+        <p:spPr>
+          <a:xfrm>
+            <a:off x="2431772" y="815009"/>
+            <a:ext cx="0" cy="4841652"/>
+          </a:xfrm>
+          <a:prstGeom prst="straightConnector1">
+            <a:avLst/>
+          </a:prstGeom>
+          <a:ln w="127000">
+            <a:tailEnd type="triangle"/>
+          </a:ln>
+        </p:spPr>
+        <p:style>
+          <a:lnRef idx="1">
+            <a:schemeClr val="accent1"/>
+          </a:lnRef>
+          <a:fillRef idx="0">
+            <a:schemeClr val="accent1"/>
+          </a:fillRef>
+          <a:effectRef idx="0">
+            <a:schemeClr val="accent1"/>
+          </a:effectRef>
+          <a:fontRef idx="minor">
+            <a:schemeClr val="tx1"/>
+          </a:fontRef>
+        </p:style>
+      </p:cxnSp>
+    </p:spTree>
+    <p:extLst>
+      <p:ext uri="{BB962C8B-B14F-4D97-AF65-F5344CB8AC3E}">
+        <p14:creationId xmlns:p14="http://schemas.microsoft.com/office/powerpoint/2010/main" val="1077942363"/>
+      </p:ext>
+    </p:extLst>
+  </p:cSld>
+  <p:clrMapOvr>
+    <a:masterClrMapping/>
+  </p:clrMapOvr>
+  <p:timing>
+    <p:tnLst>
+      <p:par>
+        <p:cTn id="1" dur="indefinite" restart="never" nodeType="tmRoot"/>
+      </p:par>
+    </p:tnLst>
+  </p:timing>
+</p:sld>
+</file>
+
 <file path=ppt/theme/theme1.xml><?xml version="1.0" encoding="utf-8"?>
 <a:theme xmlns:a="http://schemas.openxmlformats.org/drawingml/2006/main" name="Facet">
   <a:themeElements>
